--- a/Tasks/04-Jul-2023/Final Project-iStore.pptx
+++ b/Tasks/04-Jul-2023/Final Project-iStore.pptx
@@ -5,14 +5,21 @@
     <p:sldMasterId id="2147483650" r:id="rId4"/>
   </p:sldMasterIdLst>
   <p:notesMasterIdLst>
-    <p:notesMasterId r:id="rId7"/>
+    <p:notesMasterId r:id="rId14"/>
   </p:notesMasterIdLst>
   <p:handoutMasterIdLst>
-    <p:handoutMasterId r:id="rId8"/>
+    <p:handoutMasterId r:id="rId15"/>
   </p:handoutMasterIdLst>
   <p:sldIdLst>
     <p:sldId id="264" r:id="rId5"/>
     <p:sldId id="11419" r:id="rId6"/>
+    <p:sldId id="11420" r:id="rId7"/>
+    <p:sldId id="11421" r:id="rId8"/>
+    <p:sldId id="11422" r:id="rId9"/>
+    <p:sldId id="11425" r:id="rId10"/>
+    <p:sldId id="11423" r:id="rId11"/>
+    <p:sldId id="11426" r:id="rId12"/>
+    <p:sldId id="11424" r:id="rId13"/>
   </p:sldIdLst>
   <p:sldSz cx="12192000" cy="6858000"/>
   <p:notesSz cx="6858000" cy="9144000"/>
@@ -311,7 +318,7 @@
               <a:pPr>
                 <a:defRPr/>
               </a:pPr>
-              <a:t>04/07/2023</a:t>
+              <a:t>05/07/2023</a:t>
             </a:fld>
             <a:endParaRPr lang="it-IT"/>
           </a:p>
@@ -553,7 +560,7 @@
               <a:pPr>
                 <a:defRPr/>
               </a:pPr>
-              <a:t>04/07/2023</a:t>
+              <a:t>05/07/2023</a:t>
             </a:fld>
             <a:endParaRPr lang="it-IT"/>
           </a:p>
@@ -29396,6 +29403,2024 @@
     <p:extLst>
       <p:ext uri="{BB962C8B-B14F-4D97-AF65-F5344CB8AC3E}">
         <p14:creationId xmlns:p14="http://schemas.microsoft.com/office/powerpoint/2010/main" val="3763904836"/>
+      </p:ext>
+    </p:extLst>
+  </p:cSld>
+  <p:clrMapOvr>
+    <a:masterClrMapping/>
+  </p:clrMapOvr>
+</p:sld>
+</file>
+
+<file path=ppt/slides/slide3.xml><?xml version="1.0" encoding="utf-8"?>
+<p:sld xmlns:a="http://schemas.openxmlformats.org/drawingml/2006/main" xmlns:r="http://schemas.openxmlformats.org/officeDocument/2006/relationships" xmlns:p="http://schemas.openxmlformats.org/presentationml/2006/main">
+  <p:cSld>
+    <p:spTree>
+      <p:nvGrpSpPr>
+        <p:cNvPr id="1" name=""/>
+        <p:cNvGrpSpPr/>
+        <p:nvPr/>
+      </p:nvGrpSpPr>
+      <p:grpSpPr>
+        <a:xfrm>
+          <a:off x="0" y="0"/>
+          <a:ext cx="0" cy="0"/>
+          <a:chOff x="0" y="0"/>
+          <a:chExt cx="0" cy="0"/>
+        </a:xfrm>
+      </p:grpSpPr>
+      <p:sp>
+        <p:nvSpPr>
+          <p:cNvPr id="10" name="TextBox 9">
+            <a:extLst>
+              <a:ext uri="{FF2B5EF4-FFF2-40B4-BE49-F238E27FC236}">
+                <a16:creationId xmlns:a16="http://schemas.microsoft.com/office/drawing/2014/main" id="{94CA0B6F-52EF-4153-962E-FBAB6C137B51}"/>
+              </a:ext>
+            </a:extLst>
+          </p:cNvPr>
+          <p:cNvSpPr txBox="1"/>
+          <p:nvPr/>
+        </p:nvSpPr>
+        <p:spPr>
+          <a:xfrm>
+            <a:off x="2821644" y="1013610"/>
+            <a:ext cx="4223825" cy="369332"/>
+          </a:xfrm>
+          <a:prstGeom prst="rect">
+            <a:avLst/>
+          </a:prstGeom>
+          <a:noFill/>
+        </p:spPr>
+        <p:txBody>
+          <a:bodyPr wrap="square">
+            <a:spAutoFit/>
+          </a:bodyPr>
+          <a:lstStyle/>
+          <a:p>
+            <a:endParaRPr lang="en-AU"/>
+          </a:p>
+        </p:txBody>
+      </p:sp>
+      <p:sp>
+        <p:nvSpPr>
+          <p:cNvPr id="2" name="Title 1">
+            <a:extLst>
+              <a:ext uri="{FF2B5EF4-FFF2-40B4-BE49-F238E27FC236}">
+                <a16:creationId xmlns:a16="http://schemas.microsoft.com/office/drawing/2014/main" id="{8A71AF31-57D3-8A94-17F0-495C0E21D57D}"/>
+              </a:ext>
+            </a:extLst>
+          </p:cNvPr>
+          <p:cNvSpPr txBox="1">
+            <a:spLocks/>
+          </p:cNvSpPr>
+          <p:nvPr/>
+        </p:nvSpPr>
+        <p:spPr>
+          <a:xfrm>
+            <a:off x="1038077" y="494114"/>
+            <a:ext cx="6343650" cy="626961"/>
+          </a:xfrm>
+          <a:prstGeom prst="rect">
+            <a:avLst/>
+          </a:prstGeom>
+        </p:spPr>
+        <p:txBody>
+          <a:bodyPr anchor="t" anchorCtr="0">
+            <a:normAutofit/>
+          </a:bodyPr>
+          <a:lstStyle>
+            <a:lvl1pPr algn="l" rtl="0" eaLnBrk="0" fontAlgn="base" hangingPunct="0">
+              <a:lnSpc>
+                <a:spcPct val="90000"/>
+              </a:lnSpc>
+              <a:spcBef>
+                <a:spcPct val="0"/>
+              </a:spcBef>
+              <a:spcAft>
+                <a:spcPct val="0"/>
+              </a:spcAft>
+              <a:defRPr sz="2400" b="1" i="0" kern="1200">
+                <a:solidFill>
+                  <a:schemeClr val="accent1"/>
+                </a:solidFill>
+                <a:latin typeface="Montserrat" pitchFamily="2" charset="77"/>
+                <a:ea typeface="+mj-ea"/>
+                <a:cs typeface="+mj-cs"/>
+              </a:defRPr>
+            </a:lvl1pPr>
+            <a:lvl2pPr algn="l" rtl="0" eaLnBrk="0" fontAlgn="base" hangingPunct="0">
+              <a:lnSpc>
+                <a:spcPct val="90000"/>
+              </a:lnSpc>
+              <a:spcBef>
+                <a:spcPct val="0"/>
+              </a:spcBef>
+              <a:spcAft>
+                <a:spcPct val="0"/>
+              </a:spcAft>
+              <a:defRPr sz="4400">
+                <a:solidFill>
+                  <a:schemeClr val="tx1"/>
+                </a:solidFill>
+                <a:latin typeface="Montserrat" panose="00000500000000000000" pitchFamily="2" charset="0"/>
+              </a:defRPr>
+            </a:lvl2pPr>
+            <a:lvl3pPr algn="l" rtl="0" eaLnBrk="0" fontAlgn="base" hangingPunct="0">
+              <a:lnSpc>
+                <a:spcPct val="90000"/>
+              </a:lnSpc>
+              <a:spcBef>
+                <a:spcPct val="0"/>
+              </a:spcBef>
+              <a:spcAft>
+                <a:spcPct val="0"/>
+              </a:spcAft>
+              <a:defRPr sz="4400">
+                <a:solidFill>
+                  <a:schemeClr val="tx1"/>
+                </a:solidFill>
+                <a:latin typeface="Montserrat" panose="00000500000000000000" pitchFamily="2" charset="0"/>
+              </a:defRPr>
+            </a:lvl3pPr>
+            <a:lvl4pPr algn="l" rtl="0" eaLnBrk="0" fontAlgn="base" hangingPunct="0">
+              <a:lnSpc>
+                <a:spcPct val="90000"/>
+              </a:lnSpc>
+              <a:spcBef>
+                <a:spcPct val="0"/>
+              </a:spcBef>
+              <a:spcAft>
+                <a:spcPct val="0"/>
+              </a:spcAft>
+              <a:defRPr sz="4400">
+                <a:solidFill>
+                  <a:schemeClr val="tx1"/>
+                </a:solidFill>
+                <a:latin typeface="Montserrat" panose="00000500000000000000" pitchFamily="2" charset="0"/>
+              </a:defRPr>
+            </a:lvl4pPr>
+            <a:lvl5pPr algn="l" rtl="0" eaLnBrk="0" fontAlgn="base" hangingPunct="0">
+              <a:lnSpc>
+                <a:spcPct val="90000"/>
+              </a:lnSpc>
+              <a:spcBef>
+                <a:spcPct val="0"/>
+              </a:spcBef>
+              <a:spcAft>
+                <a:spcPct val="0"/>
+              </a:spcAft>
+              <a:defRPr sz="4400">
+                <a:solidFill>
+                  <a:schemeClr val="tx1"/>
+                </a:solidFill>
+                <a:latin typeface="Montserrat" panose="00000500000000000000" pitchFamily="2" charset="0"/>
+              </a:defRPr>
+            </a:lvl5pPr>
+            <a:lvl6pPr marL="457200" algn="l" rtl="0" fontAlgn="base">
+              <a:lnSpc>
+                <a:spcPct val="90000"/>
+              </a:lnSpc>
+              <a:spcBef>
+                <a:spcPct val="0"/>
+              </a:spcBef>
+              <a:spcAft>
+                <a:spcPct val="0"/>
+              </a:spcAft>
+              <a:defRPr sz="4400">
+                <a:solidFill>
+                  <a:schemeClr val="tx1"/>
+                </a:solidFill>
+                <a:latin typeface="Montserrat" panose="00000500000000000000" pitchFamily="2" charset="0"/>
+              </a:defRPr>
+            </a:lvl6pPr>
+            <a:lvl7pPr marL="914400" algn="l" rtl="0" fontAlgn="base">
+              <a:lnSpc>
+                <a:spcPct val="90000"/>
+              </a:lnSpc>
+              <a:spcBef>
+                <a:spcPct val="0"/>
+              </a:spcBef>
+              <a:spcAft>
+                <a:spcPct val="0"/>
+              </a:spcAft>
+              <a:defRPr sz="4400">
+                <a:solidFill>
+                  <a:schemeClr val="tx1"/>
+                </a:solidFill>
+                <a:latin typeface="Montserrat" panose="00000500000000000000" pitchFamily="2" charset="0"/>
+              </a:defRPr>
+            </a:lvl7pPr>
+            <a:lvl8pPr marL="1371600" algn="l" rtl="0" fontAlgn="base">
+              <a:lnSpc>
+                <a:spcPct val="90000"/>
+              </a:lnSpc>
+              <a:spcBef>
+                <a:spcPct val="0"/>
+              </a:spcBef>
+              <a:spcAft>
+                <a:spcPct val="0"/>
+              </a:spcAft>
+              <a:defRPr sz="4400">
+                <a:solidFill>
+                  <a:schemeClr val="tx1"/>
+                </a:solidFill>
+                <a:latin typeface="Montserrat" panose="00000500000000000000" pitchFamily="2" charset="0"/>
+              </a:defRPr>
+            </a:lvl8pPr>
+            <a:lvl9pPr marL="1828800" algn="l" rtl="0" fontAlgn="base">
+              <a:lnSpc>
+                <a:spcPct val="90000"/>
+              </a:lnSpc>
+              <a:spcBef>
+                <a:spcPct val="0"/>
+              </a:spcBef>
+              <a:spcAft>
+                <a:spcPct val="0"/>
+              </a:spcAft>
+              <a:defRPr sz="4400">
+                <a:solidFill>
+                  <a:schemeClr val="tx1"/>
+                </a:solidFill>
+                <a:latin typeface="Montserrat" panose="00000500000000000000" pitchFamily="2" charset="0"/>
+              </a:defRPr>
+            </a:lvl9pPr>
+          </a:lstStyle>
+          <a:p>
+            <a:r>
+              <a:rPr lang="en-ZA" sz="3600" dirty="0">
+                <a:latin typeface="Avenir Next LT Pro (Body)t"/>
+              </a:rPr>
+              <a:t>Login</a:t>
+            </a:r>
+            <a:endParaRPr lang="en-ZA" dirty="0">
+              <a:latin typeface="Avenir Next LT Pro (Body)t"/>
+            </a:endParaRPr>
+          </a:p>
+          <a:p>
+            <a:endParaRPr lang="en-ZA" dirty="0">
+              <a:latin typeface="Avenir Next LT Pro (Body)t"/>
+            </a:endParaRPr>
+          </a:p>
+        </p:txBody>
+      </p:sp>
+      <p:pic>
+        <p:nvPicPr>
+          <p:cNvPr id="5" name="Picture 4">
+            <a:extLst>
+              <a:ext uri="{FF2B5EF4-FFF2-40B4-BE49-F238E27FC236}">
+                <a16:creationId xmlns:a16="http://schemas.microsoft.com/office/drawing/2014/main" id="{E93EAFE7-C3ED-F45E-E97E-7E29A14B397E}"/>
+              </a:ext>
+            </a:extLst>
+          </p:cNvPr>
+          <p:cNvPicPr>
+            <a:picLocks noChangeAspect="1"/>
+          </p:cNvPicPr>
+          <p:nvPr/>
+        </p:nvPicPr>
+        <p:blipFill>
+          <a:blip r:embed="rId2"/>
+          <a:stretch>
+            <a:fillRect/>
+          </a:stretch>
+        </p:blipFill>
+        <p:spPr>
+          <a:xfrm>
+            <a:off x="1042766" y="1400309"/>
+            <a:ext cx="6057900" cy="3600450"/>
+          </a:xfrm>
+          <a:prstGeom prst="rect">
+            <a:avLst/>
+          </a:prstGeom>
+        </p:spPr>
+      </p:pic>
+    </p:spTree>
+    <p:extLst>
+      <p:ext uri="{BB962C8B-B14F-4D97-AF65-F5344CB8AC3E}">
+        <p14:creationId xmlns:p14="http://schemas.microsoft.com/office/powerpoint/2010/main" val="3623797879"/>
+      </p:ext>
+    </p:extLst>
+  </p:cSld>
+  <p:clrMapOvr>
+    <a:masterClrMapping/>
+  </p:clrMapOvr>
+</p:sld>
+</file>
+
+<file path=ppt/slides/slide4.xml><?xml version="1.0" encoding="utf-8"?>
+<p:sld xmlns:a="http://schemas.openxmlformats.org/drawingml/2006/main" xmlns:r="http://schemas.openxmlformats.org/officeDocument/2006/relationships" xmlns:p="http://schemas.openxmlformats.org/presentationml/2006/main">
+  <p:cSld>
+    <p:spTree>
+      <p:nvGrpSpPr>
+        <p:cNvPr id="1" name=""/>
+        <p:cNvGrpSpPr/>
+        <p:nvPr/>
+      </p:nvGrpSpPr>
+      <p:grpSpPr>
+        <a:xfrm>
+          <a:off x="0" y="0"/>
+          <a:ext cx="0" cy="0"/>
+          <a:chOff x="0" y="0"/>
+          <a:chExt cx="0" cy="0"/>
+        </a:xfrm>
+      </p:grpSpPr>
+      <p:sp>
+        <p:nvSpPr>
+          <p:cNvPr id="10" name="TextBox 9">
+            <a:extLst>
+              <a:ext uri="{FF2B5EF4-FFF2-40B4-BE49-F238E27FC236}">
+                <a16:creationId xmlns:a16="http://schemas.microsoft.com/office/drawing/2014/main" id="{94CA0B6F-52EF-4153-962E-FBAB6C137B51}"/>
+              </a:ext>
+            </a:extLst>
+          </p:cNvPr>
+          <p:cNvSpPr txBox="1"/>
+          <p:nvPr/>
+        </p:nvSpPr>
+        <p:spPr>
+          <a:xfrm>
+            <a:off x="2821644" y="1013610"/>
+            <a:ext cx="4223825" cy="369332"/>
+          </a:xfrm>
+          <a:prstGeom prst="rect">
+            <a:avLst/>
+          </a:prstGeom>
+          <a:noFill/>
+        </p:spPr>
+        <p:txBody>
+          <a:bodyPr wrap="square">
+            <a:spAutoFit/>
+          </a:bodyPr>
+          <a:lstStyle/>
+          <a:p>
+            <a:endParaRPr lang="en-AU"/>
+          </a:p>
+        </p:txBody>
+      </p:sp>
+      <p:sp>
+        <p:nvSpPr>
+          <p:cNvPr id="2" name="Title 1">
+            <a:extLst>
+              <a:ext uri="{FF2B5EF4-FFF2-40B4-BE49-F238E27FC236}">
+                <a16:creationId xmlns:a16="http://schemas.microsoft.com/office/drawing/2014/main" id="{8A71AF31-57D3-8A94-17F0-495C0E21D57D}"/>
+              </a:ext>
+            </a:extLst>
+          </p:cNvPr>
+          <p:cNvSpPr txBox="1">
+            <a:spLocks/>
+          </p:cNvSpPr>
+          <p:nvPr/>
+        </p:nvSpPr>
+        <p:spPr>
+          <a:xfrm>
+            <a:off x="1038077" y="494114"/>
+            <a:ext cx="6343650" cy="626961"/>
+          </a:xfrm>
+          <a:prstGeom prst="rect">
+            <a:avLst/>
+          </a:prstGeom>
+        </p:spPr>
+        <p:txBody>
+          <a:bodyPr anchor="t" anchorCtr="0">
+            <a:normAutofit/>
+          </a:bodyPr>
+          <a:lstStyle>
+            <a:lvl1pPr algn="l" rtl="0" eaLnBrk="0" fontAlgn="base" hangingPunct="0">
+              <a:lnSpc>
+                <a:spcPct val="90000"/>
+              </a:lnSpc>
+              <a:spcBef>
+                <a:spcPct val="0"/>
+              </a:spcBef>
+              <a:spcAft>
+                <a:spcPct val="0"/>
+              </a:spcAft>
+              <a:defRPr sz="2400" b="1" i="0" kern="1200">
+                <a:solidFill>
+                  <a:schemeClr val="accent1"/>
+                </a:solidFill>
+                <a:latin typeface="Montserrat" pitchFamily="2" charset="77"/>
+                <a:ea typeface="+mj-ea"/>
+                <a:cs typeface="+mj-cs"/>
+              </a:defRPr>
+            </a:lvl1pPr>
+            <a:lvl2pPr algn="l" rtl="0" eaLnBrk="0" fontAlgn="base" hangingPunct="0">
+              <a:lnSpc>
+                <a:spcPct val="90000"/>
+              </a:lnSpc>
+              <a:spcBef>
+                <a:spcPct val="0"/>
+              </a:spcBef>
+              <a:spcAft>
+                <a:spcPct val="0"/>
+              </a:spcAft>
+              <a:defRPr sz="4400">
+                <a:solidFill>
+                  <a:schemeClr val="tx1"/>
+                </a:solidFill>
+                <a:latin typeface="Montserrat" panose="00000500000000000000" pitchFamily="2" charset="0"/>
+              </a:defRPr>
+            </a:lvl2pPr>
+            <a:lvl3pPr algn="l" rtl="0" eaLnBrk="0" fontAlgn="base" hangingPunct="0">
+              <a:lnSpc>
+                <a:spcPct val="90000"/>
+              </a:lnSpc>
+              <a:spcBef>
+                <a:spcPct val="0"/>
+              </a:spcBef>
+              <a:spcAft>
+                <a:spcPct val="0"/>
+              </a:spcAft>
+              <a:defRPr sz="4400">
+                <a:solidFill>
+                  <a:schemeClr val="tx1"/>
+                </a:solidFill>
+                <a:latin typeface="Montserrat" panose="00000500000000000000" pitchFamily="2" charset="0"/>
+              </a:defRPr>
+            </a:lvl3pPr>
+            <a:lvl4pPr algn="l" rtl="0" eaLnBrk="0" fontAlgn="base" hangingPunct="0">
+              <a:lnSpc>
+                <a:spcPct val="90000"/>
+              </a:lnSpc>
+              <a:spcBef>
+                <a:spcPct val="0"/>
+              </a:spcBef>
+              <a:spcAft>
+                <a:spcPct val="0"/>
+              </a:spcAft>
+              <a:defRPr sz="4400">
+                <a:solidFill>
+                  <a:schemeClr val="tx1"/>
+                </a:solidFill>
+                <a:latin typeface="Montserrat" panose="00000500000000000000" pitchFamily="2" charset="0"/>
+              </a:defRPr>
+            </a:lvl4pPr>
+            <a:lvl5pPr algn="l" rtl="0" eaLnBrk="0" fontAlgn="base" hangingPunct="0">
+              <a:lnSpc>
+                <a:spcPct val="90000"/>
+              </a:lnSpc>
+              <a:spcBef>
+                <a:spcPct val="0"/>
+              </a:spcBef>
+              <a:spcAft>
+                <a:spcPct val="0"/>
+              </a:spcAft>
+              <a:defRPr sz="4400">
+                <a:solidFill>
+                  <a:schemeClr val="tx1"/>
+                </a:solidFill>
+                <a:latin typeface="Montserrat" panose="00000500000000000000" pitchFamily="2" charset="0"/>
+              </a:defRPr>
+            </a:lvl5pPr>
+            <a:lvl6pPr marL="457200" algn="l" rtl="0" fontAlgn="base">
+              <a:lnSpc>
+                <a:spcPct val="90000"/>
+              </a:lnSpc>
+              <a:spcBef>
+                <a:spcPct val="0"/>
+              </a:spcBef>
+              <a:spcAft>
+                <a:spcPct val="0"/>
+              </a:spcAft>
+              <a:defRPr sz="4400">
+                <a:solidFill>
+                  <a:schemeClr val="tx1"/>
+                </a:solidFill>
+                <a:latin typeface="Montserrat" panose="00000500000000000000" pitchFamily="2" charset="0"/>
+              </a:defRPr>
+            </a:lvl6pPr>
+            <a:lvl7pPr marL="914400" algn="l" rtl="0" fontAlgn="base">
+              <a:lnSpc>
+                <a:spcPct val="90000"/>
+              </a:lnSpc>
+              <a:spcBef>
+                <a:spcPct val="0"/>
+              </a:spcBef>
+              <a:spcAft>
+                <a:spcPct val="0"/>
+              </a:spcAft>
+              <a:defRPr sz="4400">
+                <a:solidFill>
+                  <a:schemeClr val="tx1"/>
+                </a:solidFill>
+                <a:latin typeface="Montserrat" panose="00000500000000000000" pitchFamily="2" charset="0"/>
+              </a:defRPr>
+            </a:lvl7pPr>
+            <a:lvl8pPr marL="1371600" algn="l" rtl="0" fontAlgn="base">
+              <a:lnSpc>
+                <a:spcPct val="90000"/>
+              </a:lnSpc>
+              <a:spcBef>
+                <a:spcPct val="0"/>
+              </a:spcBef>
+              <a:spcAft>
+                <a:spcPct val="0"/>
+              </a:spcAft>
+              <a:defRPr sz="4400">
+                <a:solidFill>
+                  <a:schemeClr val="tx1"/>
+                </a:solidFill>
+                <a:latin typeface="Montserrat" panose="00000500000000000000" pitchFamily="2" charset="0"/>
+              </a:defRPr>
+            </a:lvl8pPr>
+            <a:lvl9pPr marL="1828800" algn="l" rtl="0" fontAlgn="base">
+              <a:lnSpc>
+                <a:spcPct val="90000"/>
+              </a:lnSpc>
+              <a:spcBef>
+                <a:spcPct val="0"/>
+              </a:spcBef>
+              <a:spcAft>
+                <a:spcPct val="0"/>
+              </a:spcAft>
+              <a:defRPr sz="4400">
+                <a:solidFill>
+                  <a:schemeClr val="tx1"/>
+                </a:solidFill>
+                <a:latin typeface="Montserrat" panose="00000500000000000000" pitchFamily="2" charset="0"/>
+              </a:defRPr>
+            </a:lvl9pPr>
+          </a:lstStyle>
+          <a:p>
+            <a:r>
+              <a:rPr lang="en-ZA" sz="3600" dirty="0">
+                <a:latin typeface="Avenir Next LT Pro (Body)t"/>
+              </a:rPr>
+              <a:t>User - Home Page</a:t>
+            </a:r>
+            <a:endParaRPr lang="en-ZA" dirty="0">
+              <a:latin typeface="Avenir Next LT Pro (Body)t"/>
+            </a:endParaRPr>
+          </a:p>
+          <a:p>
+            <a:endParaRPr lang="en-ZA" dirty="0">
+              <a:latin typeface="Avenir Next LT Pro (Body)t"/>
+            </a:endParaRPr>
+          </a:p>
+        </p:txBody>
+      </p:sp>
+      <p:pic>
+        <p:nvPicPr>
+          <p:cNvPr id="4" name="Picture 3">
+            <a:extLst>
+              <a:ext uri="{FF2B5EF4-FFF2-40B4-BE49-F238E27FC236}">
+                <a16:creationId xmlns:a16="http://schemas.microsoft.com/office/drawing/2014/main" id="{A222004D-A2F7-5D12-D557-B9653FE14C89}"/>
+              </a:ext>
+            </a:extLst>
+          </p:cNvPr>
+          <p:cNvPicPr>
+            <a:picLocks noChangeAspect="1"/>
+          </p:cNvPicPr>
+          <p:nvPr/>
+        </p:nvPicPr>
+        <p:blipFill>
+          <a:blip r:embed="rId2"/>
+          <a:stretch>
+            <a:fillRect/>
+          </a:stretch>
+        </p:blipFill>
+        <p:spPr>
+          <a:xfrm>
+            <a:off x="71437" y="1382941"/>
+            <a:ext cx="12049125" cy="5475059"/>
+          </a:xfrm>
+          <a:prstGeom prst="rect">
+            <a:avLst/>
+          </a:prstGeom>
+        </p:spPr>
+      </p:pic>
+    </p:spTree>
+    <p:extLst>
+      <p:ext uri="{BB962C8B-B14F-4D97-AF65-F5344CB8AC3E}">
+        <p14:creationId xmlns:p14="http://schemas.microsoft.com/office/powerpoint/2010/main" val="1326265922"/>
+      </p:ext>
+    </p:extLst>
+  </p:cSld>
+  <p:clrMapOvr>
+    <a:masterClrMapping/>
+  </p:clrMapOvr>
+</p:sld>
+</file>
+
+<file path=ppt/slides/slide5.xml><?xml version="1.0" encoding="utf-8"?>
+<p:sld xmlns:a="http://schemas.openxmlformats.org/drawingml/2006/main" xmlns:r="http://schemas.openxmlformats.org/officeDocument/2006/relationships" xmlns:p="http://schemas.openxmlformats.org/presentationml/2006/main">
+  <p:cSld>
+    <p:spTree>
+      <p:nvGrpSpPr>
+        <p:cNvPr id="1" name=""/>
+        <p:cNvGrpSpPr/>
+        <p:nvPr/>
+      </p:nvGrpSpPr>
+      <p:grpSpPr>
+        <a:xfrm>
+          <a:off x="0" y="0"/>
+          <a:ext cx="0" cy="0"/>
+          <a:chOff x="0" y="0"/>
+          <a:chExt cx="0" cy="0"/>
+        </a:xfrm>
+      </p:grpSpPr>
+      <p:sp>
+        <p:nvSpPr>
+          <p:cNvPr id="10" name="TextBox 9">
+            <a:extLst>
+              <a:ext uri="{FF2B5EF4-FFF2-40B4-BE49-F238E27FC236}">
+                <a16:creationId xmlns:a16="http://schemas.microsoft.com/office/drawing/2014/main" id="{94CA0B6F-52EF-4153-962E-FBAB6C137B51}"/>
+              </a:ext>
+            </a:extLst>
+          </p:cNvPr>
+          <p:cNvSpPr txBox="1"/>
+          <p:nvPr/>
+        </p:nvSpPr>
+        <p:spPr>
+          <a:xfrm>
+            <a:off x="2821644" y="1013610"/>
+            <a:ext cx="4223825" cy="369332"/>
+          </a:xfrm>
+          <a:prstGeom prst="rect">
+            <a:avLst/>
+          </a:prstGeom>
+          <a:noFill/>
+        </p:spPr>
+        <p:txBody>
+          <a:bodyPr wrap="square">
+            <a:spAutoFit/>
+          </a:bodyPr>
+          <a:lstStyle/>
+          <a:p>
+            <a:endParaRPr lang="en-AU"/>
+          </a:p>
+        </p:txBody>
+      </p:sp>
+      <p:sp>
+        <p:nvSpPr>
+          <p:cNvPr id="2" name="Title 1">
+            <a:extLst>
+              <a:ext uri="{FF2B5EF4-FFF2-40B4-BE49-F238E27FC236}">
+                <a16:creationId xmlns:a16="http://schemas.microsoft.com/office/drawing/2014/main" id="{8A71AF31-57D3-8A94-17F0-495C0E21D57D}"/>
+              </a:ext>
+            </a:extLst>
+          </p:cNvPr>
+          <p:cNvSpPr txBox="1">
+            <a:spLocks/>
+          </p:cNvSpPr>
+          <p:nvPr/>
+        </p:nvSpPr>
+        <p:spPr>
+          <a:xfrm>
+            <a:off x="526633" y="700129"/>
+            <a:ext cx="6343650" cy="626961"/>
+          </a:xfrm>
+          <a:prstGeom prst="rect">
+            <a:avLst/>
+          </a:prstGeom>
+        </p:spPr>
+        <p:txBody>
+          <a:bodyPr anchor="t" anchorCtr="0">
+            <a:normAutofit/>
+          </a:bodyPr>
+          <a:lstStyle>
+            <a:lvl1pPr algn="l" rtl="0" eaLnBrk="0" fontAlgn="base" hangingPunct="0">
+              <a:lnSpc>
+                <a:spcPct val="90000"/>
+              </a:lnSpc>
+              <a:spcBef>
+                <a:spcPct val="0"/>
+              </a:spcBef>
+              <a:spcAft>
+                <a:spcPct val="0"/>
+              </a:spcAft>
+              <a:defRPr sz="2400" b="1" i="0" kern="1200">
+                <a:solidFill>
+                  <a:schemeClr val="accent1"/>
+                </a:solidFill>
+                <a:latin typeface="Montserrat" pitchFamily="2" charset="77"/>
+                <a:ea typeface="+mj-ea"/>
+                <a:cs typeface="+mj-cs"/>
+              </a:defRPr>
+            </a:lvl1pPr>
+            <a:lvl2pPr algn="l" rtl="0" eaLnBrk="0" fontAlgn="base" hangingPunct="0">
+              <a:lnSpc>
+                <a:spcPct val="90000"/>
+              </a:lnSpc>
+              <a:spcBef>
+                <a:spcPct val="0"/>
+              </a:spcBef>
+              <a:spcAft>
+                <a:spcPct val="0"/>
+              </a:spcAft>
+              <a:defRPr sz="4400">
+                <a:solidFill>
+                  <a:schemeClr val="tx1"/>
+                </a:solidFill>
+                <a:latin typeface="Montserrat" panose="00000500000000000000" pitchFamily="2" charset="0"/>
+              </a:defRPr>
+            </a:lvl2pPr>
+            <a:lvl3pPr algn="l" rtl="0" eaLnBrk="0" fontAlgn="base" hangingPunct="0">
+              <a:lnSpc>
+                <a:spcPct val="90000"/>
+              </a:lnSpc>
+              <a:spcBef>
+                <a:spcPct val="0"/>
+              </a:spcBef>
+              <a:spcAft>
+                <a:spcPct val="0"/>
+              </a:spcAft>
+              <a:defRPr sz="4400">
+                <a:solidFill>
+                  <a:schemeClr val="tx1"/>
+                </a:solidFill>
+                <a:latin typeface="Montserrat" panose="00000500000000000000" pitchFamily="2" charset="0"/>
+              </a:defRPr>
+            </a:lvl3pPr>
+            <a:lvl4pPr algn="l" rtl="0" eaLnBrk="0" fontAlgn="base" hangingPunct="0">
+              <a:lnSpc>
+                <a:spcPct val="90000"/>
+              </a:lnSpc>
+              <a:spcBef>
+                <a:spcPct val="0"/>
+              </a:spcBef>
+              <a:spcAft>
+                <a:spcPct val="0"/>
+              </a:spcAft>
+              <a:defRPr sz="4400">
+                <a:solidFill>
+                  <a:schemeClr val="tx1"/>
+                </a:solidFill>
+                <a:latin typeface="Montserrat" panose="00000500000000000000" pitchFamily="2" charset="0"/>
+              </a:defRPr>
+            </a:lvl4pPr>
+            <a:lvl5pPr algn="l" rtl="0" eaLnBrk="0" fontAlgn="base" hangingPunct="0">
+              <a:lnSpc>
+                <a:spcPct val="90000"/>
+              </a:lnSpc>
+              <a:spcBef>
+                <a:spcPct val="0"/>
+              </a:spcBef>
+              <a:spcAft>
+                <a:spcPct val="0"/>
+              </a:spcAft>
+              <a:defRPr sz="4400">
+                <a:solidFill>
+                  <a:schemeClr val="tx1"/>
+                </a:solidFill>
+                <a:latin typeface="Montserrat" panose="00000500000000000000" pitchFamily="2" charset="0"/>
+              </a:defRPr>
+            </a:lvl5pPr>
+            <a:lvl6pPr marL="457200" algn="l" rtl="0" fontAlgn="base">
+              <a:lnSpc>
+                <a:spcPct val="90000"/>
+              </a:lnSpc>
+              <a:spcBef>
+                <a:spcPct val="0"/>
+              </a:spcBef>
+              <a:spcAft>
+                <a:spcPct val="0"/>
+              </a:spcAft>
+              <a:defRPr sz="4400">
+                <a:solidFill>
+                  <a:schemeClr val="tx1"/>
+                </a:solidFill>
+                <a:latin typeface="Montserrat" panose="00000500000000000000" pitchFamily="2" charset="0"/>
+              </a:defRPr>
+            </a:lvl6pPr>
+            <a:lvl7pPr marL="914400" algn="l" rtl="0" fontAlgn="base">
+              <a:lnSpc>
+                <a:spcPct val="90000"/>
+              </a:lnSpc>
+              <a:spcBef>
+                <a:spcPct val="0"/>
+              </a:spcBef>
+              <a:spcAft>
+                <a:spcPct val="0"/>
+              </a:spcAft>
+              <a:defRPr sz="4400">
+                <a:solidFill>
+                  <a:schemeClr val="tx1"/>
+                </a:solidFill>
+                <a:latin typeface="Montserrat" panose="00000500000000000000" pitchFamily="2" charset="0"/>
+              </a:defRPr>
+            </a:lvl7pPr>
+            <a:lvl8pPr marL="1371600" algn="l" rtl="0" fontAlgn="base">
+              <a:lnSpc>
+                <a:spcPct val="90000"/>
+              </a:lnSpc>
+              <a:spcBef>
+                <a:spcPct val="0"/>
+              </a:spcBef>
+              <a:spcAft>
+                <a:spcPct val="0"/>
+              </a:spcAft>
+              <a:defRPr sz="4400">
+                <a:solidFill>
+                  <a:schemeClr val="tx1"/>
+                </a:solidFill>
+                <a:latin typeface="Montserrat" panose="00000500000000000000" pitchFamily="2" charset="0"/>
+              </a:defRPr>
+            </a:lvl8pPr>
+            <a:lvl9pPr marL="1828800" algn="l" rtl="0" fontAlgn="base">
+              <a:lnSpc>
+                <a:spcPct val="90000"/>
+              </a:lnSpc>
+              <a:spcBef>
+                <a:spcPct val="0"/>
+              </a:spcBef>
+              <a:spcAft>
+                <a:spcPct val="0"/>
+              </a:spcAft>
+              <a:defRPr sz="4400">
+                <a:solidFill>
+                  <a:schemeClr val="tx1"/>
+                </a:solidFill>
+                <a:latin typeface="Montserrat" panose="00000500000000000000" pitchFamily="2" charset="0"/>
+              </a:defRPr>
+            </a:lvl9pPr>
+          </a:lstStyle>
+          <a:p>
+            <a:r>
+              <a:rPr lang="en-ZA" sz="3600" dirty="0">
+                <a:latin typeface="Avenir Next LT Pro (Body)t"/>
+              </a:rPr>
+              <a:t>User - Main Page</a:t>
+            </a:r>
+            <a:endParaRPr lang="en-ZA" dirty="0">
+              <a:latin typeface="Avenir Next LT Pro (Body)t"/>
+            </a:endParaRPr>
+          </a:p>
+          <a:p>
+            <a:endParaRPr lang="en-ZA" dirty="0">
+              <a:latin typeface="Avenir Next LT Pro (Body)t"/>
+            </a:endParaRPr>
+          </a:p>
+        </p:txBody>
+      </p:sp>
+      <p:pic>
+        <p:nvPicPr>
+          <p:cNvPr id="4" name="Picture 3">
+            <a:extLst>
+              <a:ext uri="{FF2B5EF4-FFF2-40B4-BE49-F238E27FC236}">
+                <a16:creationId xmlns:a16="http://schemas.microsoft.com/office/drawing/2014/main" id="{CE11F1F8-0815-E5D5-3B88-B9C74D9797F4}"/>
+              </a:ext>
+            </a:extLst>
+          </p:cNvPr>
+          <p:cNvPicPr>
+            <a:picLocks noChangeAspect="1"/>
+          </p:cNvPicPr>
+          <p:nvPr/>
+        </p:nvPicPr>
+        <p:blipFill>
+          <a:blip r:embed="rId2"/>
+          <a:stretch>
+            <a:fillRect/>
+          </a:stretch>
+        </p:blipFill>
+        <p:spPr>
+          <a:xfrm>
+            <a:off x="650847" y="1382942"/>
+            <a:ext cx="12068175" cy="5495925"/>
+          </a:xfrm>
+          <a:prstGeom prst="rect">
+            <a:avLst/>
+          </a:prstGeom>
+        </p:spPr>
+      </p:pic>
+    </p:spTree>
+    <p:extLst>
+      <p:ext uri="{BB962C8B-B14F-4D97-AF65-F5344CB8AC3E}">
+        <p14:creationId xmlns:p14="http://schemas.microsoft.com/office/powerpoint/2010/main" val="1124584940"/>
+      </p:ext>
+    </p:extLst>
+  </p:cSld>
+  <p:clrMapOvr>
+    <a:masterClrMapping/>
+  </p:clrMapOvr>
+</p:sld>
+</file>
+
+<file path=ppt/slides/slide6.xml><?xml version="1.0" encoding="utf-8"?>
+<p:sld xmlns:a="http://schemas.openxmlformats.org/drawingml/2006/main" xmlns:r="http://schemas.openxmlformats.org/officeDocument/2006/relationships" xmlns:p="http://schemas.openxmlformats.org/presentationml/2006/main">
+  <p:cSld>
+    <p:spTree>
+      <p:nvGrpSpPr>
+        <p:cNvPr id="1" name=""/>
+        <p:cNvGrpSpPr/>
+        <p:nvPr/>
+      </p:nvGrpSpPr>
+      <p:grpSpPr>
+        <a:xfrm>
+          <a:off x="0" y="0"/>
+          <a:ext cx="0" cy="0"/>
+          <a:chOff x="0" y="0"/>
+          <a:chExt cx="0" cy="0"/>
+        </a:xfrm>
+      </p:grpSpPr>
+      <p:sp>
+        <p:nvSpPr>
+          <p:cNvPr id="10" name="TextBox 9">
+            <a:extLst>
+              <a:ext uri="{FF2B5EF4-FFF2-40B4-BE49-F238E27FC236}">
+                <a16:creationId xmlns:a16="http://schemas.microsoft.com/office/drawing/2014/main" id="{94CA0B6F-52EF-4153-962E-FBAB6C137B51}"/>
+              </a:ext>
+            </a:extLst>
+          </p:cNvPr>
+          <p:cNvSpPr txBox="1"/>
+          <p:nvPr/>
+        </p:nvSpPr>
+        <p:spPr>
+          <a:xfrm>
+            <a:off x="2821644" y="1013610"/>
+            <a:ext cx="4223825" cy="369332"/>
+          </a:xfrm>
+          <a:prstGeom prst="rect">
+            <a:avLst/>
+          </a:prstGeom>
+          <a:noFill/>
+        </p:spPr>
+        <p:txBody>
+          <a:bodyPr wrap="square">
+            <a:spAutoFit/>
+          </a:bodyPr>
+          <a:lstStyle/>
+          <a:p>
+            <a:endParaRPr lang="en-AU"/>
+          </a:p>
+        </p:txBody>
+      </p:sp>
+      <p:sp>
+        <p:nvSpPr>
+          <p:cNvPr id="2" name="Title 1">
+            <a:extLst>
+              <a:ext uri="{FF2B5EF4-FFF2-40B4-BE49-F238E27FC236}">
+                <a16:creationId xmlns:a16="http://schemas.microsoft.com/office/drawing/2014/main" id="{8A71AF31-57D3-8A94-17F0-495C0E21D57D}"/>
+              </a:ext>
+            </a:extLst>
+          </p:cNvPr>
+          <p:cNvSpPr txBox="1">
+            <a:spLocks/>
+          </p:cNvSpPr>
+          <p:nvPr/>
+        </p:nvSpPr>
+        <p:spPr>
+          <a:xfrm>
+            <a:off x="1038077" y="494114"/>
+            <a:ext cx="6343650" cy="626961"/>
+          </a:xfrm>
+          <a:prstGeom prst="rect">
+            <a:avLst/>
+          </a:prstGeom>
+        </p:spPr>
+        <p:txBody>
+          <a:bodyPr anchor="t" anchorCtr="0">
+            <a:normAutofit/>
+          </a:bodyPr>
+          <a:lstStyle>
+            <a:lvl1pPr algn="l" rtl="0" eaLnBrk="0" fontAlgn="base" hangingPunct="0">
+              <a:lnSpc>
+                <a:spcPct val="90000"/>
+              </a:lnSpc>
+              <a:spcBef>
+                <a:spcPct val="0"/>
+              </a:spcBef>
+              <a:spcAft>
+                <a:spcPct val="0"/>
+              </a:spcAft>
+              <a:defRPr sz="2400" b="1" i="0" kern="1200">
+                <a:solidFill>
+                  <a:schemeClr val="accent1"/>
+                </a:solidFill>
+                <a:latin typeface="Montserrat" pitchFamily="2" charset="77"/>
+                <a:ea typeface="+mj-ea"/>
+                <a:cs typeface="+mj-cs"/>
+              </a:defRPr>
+            </a:lvl1pPr>
+            <a:lvl2pPr algn="l" rtl="0" eaLnBrk="0" fontAlgn="base" hangingPunct="0">
+              <a:lnSpc>
+                <a:spcPct val="90000"/>
+              </a:lnSpc>
+              <a:spcBef>
+                <a:spcPct val="0"/>
+              </a:spcBef>
+              <a:spcAft>
+                <a:spcPct val="0"/>
+              </a:spcAft>
+              <a:defRPr sz="4400">
+                <a:solidFill>
+                  <a:schemeClr val="tx1"/>
+                </a:solidFill>
+                <a:latin typeface="Montserrat" panose="00000500000000000000" pitchFamily="2" charset="0"/>
+              </a:defRPr>
+            </a:lvl2pPr>
+            <a:lvl3pPr algn="l" rtl="0" eaLnBrk="0" fontAlgn="base" hangingPunct="0">
+              <a:lnSpc>
+                <a:spcPct val="90000"/>
+              </a:lnSpc>
+              <a:spcBef>
+                <a:spcPct val="0"/>
+              </a:spcBef>
+              <a:spcAft>
+                <a:spcPct val="0"/>
+              </a:spcAft>
+              <a:defRPr sz="4400">
+                <a:solidFill>
+                  <a:schemeClr val="tx1"/>
+                </a:solidFill>
+                <a:latin typeface="Montserrat" panose="00000500000000000000" pitchFamily="2" charset="0"/>
+              </a:defRPr>
+            </a:lvl3pPr>
+            <a:lvl4pPr algn="l" rtl="0" eaLnBrk="0" fontAlgn="base" hangingPunct="0">
+              <a:lnSpc>
+                <a:spcPct val="90000"/>
+              </a:lnSpc>
+              <a:spcBef>
+                <a:spcPct val="0"/>
+              </a:spcBef>
+              <a:spcAft>
+                <a:spcPct val="0"/>
+              </a:spcAft>
+              <a:defRPr sz="4400">
+                <a:solidFill>
+                  <a:schemeClr val="tx1"/>
+                </a:solidFill>
+                <a:latin typeface="Montserrat" panose="00000500000000000000" pitchFamily="2" charset="0"/>
+              </a:defRPr>
+            </a:lvl4pPr>
+            <a:lvl5pPr algn="l" rtl="0" eaLnBrk="0" fontAlgn="base" hangingPunct="0">
+              <a:lnSpc>
+                <a:spcPct val="90000"/>
+              </a:lnSpc>
+              <a:spcBef>
+                <a:spcPct val="0"/>
+              </a:spcBef>
+              <a:spcAft>
+                <a:spcPct val="0"/>
+              </a:spcAft>
+              <a:defRPr sz="4400">
+                <a:solidFill>
+                  <a:schemeClr val="tx1"/>
+                </a:solidFill>
+                <a:latin typeface="Montserrat" panose="00000500000000000000" pitchFamily="2" charset="0"/>
+              </a:defRPr>
+            </a:lvl5pPr>
+            <a:lvl6pPr marL="457200" algn="l" rtl="0" fontAlgn="base">
+              <a:lnSpc>
+                <a:spcPct val="90000"/>
+              </a:lnSpc>
+              <a:spcBef>
+                <a:spcPct val="0"/>
+              </a:spcBef>
+              <a:spcAft>
+                <a:spcPct val="0"/>
+              </a:spcAft>
+              <a:defRPr sz="4400">
+                <a:solidFill>
+                  <a:schemeClr val="tx1"/>
+                </a:solidFill>
+                <a:latin typeface="Montserrat" panose="00000500000000000000" pitchFamily="2" charset="0"/>
+              </a:defRPr>
+            </a:lvl6pPr>
+            <a:lvl7pPr marL="914400" algn="l" rtl="0" fontAlgn="base">
+              <a:lnSpc>
+                <a:spcPct val="90000"/>
+              </a:lnSpc>
+              <a:spcBef>
+                <a:spcPct val="0"/>
+              </a:spcBef>
+              <a:spcAft>
+                <a:spcPct val="0"/>
+              </a:spcAft>
+              <a:defRPr sz="4400">
+                <a:solidFill>
+                  <a:schemeClr val="tx1"/>
+                </a:solidFill>
+                <a:latin typeface="Montserrat" panose="00000500000000000000" pitchFamily="2" charset="0"/>
+              </a:defRPr>
+            </a:lvl7pPr>
+            <a:lvl8pPr marL="1371600" algn="l" rtl="0" fontAlgn="base">
+              <a:lnSpc>
+                <a:spcPct val="90000"/>
+              </a:lnSpc>
+              <a:spcBef>
+                <a:spcPct val="0"/>
+              </a:spcBef>
+              <a:spcAft>
+                <a:spcPct val="0"/>
+              </a:spcAft>
+              <a:defRPr sz="4400">
+                <a:solidFill>
+                  <a:schemeClr val="tx1"/>
+                </a:solidFill>
+                <a:latin typeface="Montserrat" panose="00000500000000000000" pitchFamily="2" charset="0"/>
+              </a:defRPr>
+            </a:lvl8pPr>
+            <a:lvl9pPr marL="1828800" algn="l" rtl="0" fontAlgn="base">
+              <a:lnSpc>
+                <a:spcPct val="90000"/>
+              </a:lnSpc>
+              <a:spcBef>
+                <a:spcPct val="0"/>
+              </a:spcBef>
+              <a:spcAft>
+                <a:spcPct val="0"/>
+              </a:spcAft>
+              <a:defRPr sz="4400">
+                <a:solidFill>
+                  <a:schemeClr val="tx1"/>
+                </a:solidFill>
+                <a:latin typeface="Montserrat" panose="00000500000000000000" pitchFamily="2" charset="0"/>
+              </a:defRPr>
+            </a:lvl9pPr>
+          </a:lstStyle>
+          <a:p>
+            <a:r>
+              <a:rPr lang="en-ZA" sz="3600" dirty="0">
+                <a:latin typeface="Avenir Next LT Pro (Body)t"/>
+              </a:rPr>
+              <a:t>Admin Login</a:t>
+            </a:r>
+            <a:endParaRPr lang="en-ZA" dirty="0">
+              <a:latin typeface="Avenir Next LT Pro (Body)t"/>
+            </a:endParaRPr>
+          </a:p>
+          <a:p>
+            <a:endParaRPr lang="en-ZA" dirty="0">
+              <a:latin typeface="Avenir Next LT Pro (Body)t"/>
+            </a:endParaRPr>
+          </a:p>
+        </p:txBody>
+      </p:sp>
+      <p:pic>
+        <p:nvPicPr>
+          <p:cNvPr id="4" name="Picture 3">
+            <a:extLst>
+              <a:ext uri="{FF2B5EF4-FFF2-40B4-BE49-F238E27FC236}">
+                <a16:creationId xmlns:a16="http://schemas.microsoft.com/office/drawing/2014/main" id="{8F5B3652-25AC-6C61-34C0-5682ED3B2E9D}"/>
+              </a:ext>
+            </a:extLst>
+          </p:cNvPr>
+          <p:cNvPicPr>
+            <a:picLocks noChangeAspect="1"/>
+          </p:cNvPicPr>
+          <p:nvPr/>
+        </p:nvPicPr>
+        <p:blipFill>
+          <a:blip r:embed="rId2"/>
+          <a:stretch>
+            <a:fillRect/>
+          </a:stretch>
+        </p:blipFill>
+        <p:spPr>
+          <a:xfrm>
+            <a:off x="1195239" y="1382942"/>
+            <a:ext cx="6029325" cy="3590925"/>
+          </a:xfrm>
+          <a:prstGeom prst="rect">
+            <a:avLst/>
+          </a:prstGeom>
+        </p:spPr>
+      </p:pic>
+    </p:spTree>
+    <p:extLst>
+      <p:ext uri="{BB962C8B-B14F-4D97-AF65-F5344CB8AC3E}">
+        <p14:creationId xmlns:p14="http://schemas.microsoft.com/office/powerpoint/2010/main" val="1310811956"/>
+      </p:ext>
+    </p:extLst>
+  </p:cSld>
+  <p:clrMapOvr>
+    <a:masterClrMapping/>
+  </p:clrMapOvr>
+</p:sld>
+</file>
+
+<file path=ppt/slides/slide7.xml><?xml version="1.0" encoding="utf-8"?>
+<p:sld xmlns:a="http://schemas.openxmlformats.org/drawingml/2006/main" xmlns:r="http://schemas.openxmlformats.org/officeDocument/2006/relationships" xmlns:p="http://schemas.openxmlformats.org/presentationml/2006/main">
+  <p:cSld>
+    <p:spTree>
+      <p:nvGrpSpPr>
+        <p:cNvPr id="1" name=""/>
+        <p:cNvGrpSpPr/>
+        <p:nvPr/>
+      </p:nvGrpSpPr>
+      <p:grpSpPr>
+        <a:xfrm>
+          <a:off x="0" y="0"/>
+          <a:ext cx="0" cy="0"/>
+          <a:chOff x="0" y="0"/>
+          <a:chExt cx="0" cy="0"/>
+        </a:xfrm>
+      </p:grpSpPr>
+      <p:sp>
+        <p:nvSpPr>
+          <p:cNvPr id="10" name="TextBox 9">
+            <a:extLst>
+              <a:ext uri="{FF2B5EF4-FFF2-40B4-BE49-F238E27FC236}">
+                <a16:creationId xmlns:a16="http://schemas.microsoft.com/office/drawing/2014/main" id="{94CA0B6F-52EF-4153-962E-FBAB6C137B51}"/>
+              </a:ext>
+            </a:extLst>
+          </p:cNvPr>
+          <p:cNvSpPr txBox="1"/>
+          <p:nvPr/>
+        </p:nvSpPr>
+        <p:spPr>
+          <a:xfrm>
+            <a:off x="2821644" y="1013610"/>
+            <a:ext cx="4223825" cy="369332"/>
+          </a:xfrm>
+          <a:prstGeom prst="rect">
+            <a:avLst/>
+          </a:prstGeom>
+          <a:noFill/>
+        </p:spPr>
+        <p:txBody>
+          <a:bodyPr wrap="square">
+            <a:spAutoFit/>
+          </a:bodyPr>
+          <a:lstStyle/>
+          <a:p>
+            <a:endParaRPr lang="en-AU"/>
+          </a:p>
+        </p:txBody>
+      </p:sp>
+      <p:sp>
+        <p:nvSpPr>
+          <p:cNvPr id="2" name="Title 1">
+            <a:extLst>
+              <a:ext uri="{FF2B5EF4-FFF2-40B4-BE49-F238E27FC236}">
+                <a16:creationId xmlns:a16="http://schemas.microsoft.com/office/drawing/2014/main" id="{8A71AF31-57D3-8A94-17F0-495C0E21D57D}"/>
+              </a:ext>
+            </a:extLst>
+          </p:cNvPr>
+          <p:cNvSpPr txBox="1">
+            <a:spLocks/>
+          </p:cNvSpPr>
+          <p:nvPr/>
+        </p:nvSpPr>
+        <p:spPr>
+          <a:xfrm>
+            <a:off x="1038077" y="494114"/>
+            <a:ext cx="6343650" cy="626961"/>
+          </a:xfrm>
+          <a:prstGeom prst="rect">
+            <a:avLst/>
+          </a:prstGeom>
+        </p:spPr>
+        <p:txBody>
+          <a:bodyPr anchor="t" anchorCtr="0">
+            <a:normAutofit/>
+          </a:bodyPr>
+          <a:lstStyle>
+            <a:lvl1pPr algn="l" rtl="0" eaLnBrk="0" fontAlgn="base" hangingPunct="0">
+              <a:lnSpc>
+                <a:spcPct val="90000"/>
+              </a:lnSpc>
+              <a:spcBef>
+                <a:spcPct val="0"/>
+              </a:spcBef>
+              <a:spcAft>
+                <a:spcPct val="0"/>
+              </a:spcAft>
+              <a:defRPr sz="2400" b="1" i="0" kern="1200">
+                <a:solidFill>
+                  <a:schemeClr val="accent1"/>
+                </a:solidFill>
+                <a:latin typeface="Montserrat" pitchFamily="2" charset="77"/>
+                <a:ea typeface="+mj-ea"/>
+                <a:cs typeface="+mj-cs"/>
+              </a:defRPr>
+            </a:lvl1pPr>
+            <a:lvl2pPr algn="l" rtl="0" eaLnBrk="0" fontAlgn="base" hangingPunct="0">
+              <a:lnSpc>
+                <a:spcPct val="90000"/>
+              </a:lnSpc>
+              <a:spcBef>
+                <a:spcPct val="0"/>
+              </a:spcBef>
+              <a:spcAft>
+                <a:spcPct val="0"/>
+              </a:spcAft>
+              <a:defRPr sz="4400">
+                <a:solidFill>
+                  <a:schemeClr val="tx1"/>
+                </a:solidFill>
+                <a:latin typeface="Montserrat" panose="00000500000000000000" pitchFamily="2" charset="0"/>
+              </a:defRPr>
+            </a:lvl2pPr>
+            <a:lvl3pPr algn="l" rtl="0" eaLnBrk="0" fontAlgn="base" hangingPunct="0">
+              <a:lnSpc>
+                <a:spcPct val="90000"/>
+              </a:lnSpc>
+              <a:spcBef>
+                <a:spcPct val="0"/>
+              </a:spcBef>
+              <a:spcAft>
+                <a:spcPct val="0"/>
+              </a:spcAft>
+              <a:defRPr sz="4400">
+                <a:solidFill>
+                  <a:schemeClr val="tx1"/>
+                </a:solidFill>
+                <a:latin typeface="Montserrat" panose="00000500000000000000" pitchFamily="2" charset="0"/>
+              </a:defRPr>
+            </a:lvl3pPr>
+            <a:lvl4pPr algn="l" rtl="0" eaLnBrk="0" fontAlgn="base" hangingPunct="0">
+              <a:lnSpc>
+                <a:spcPct val="90000"/>
+              </a:lnSpc>
+              <a:spcBef>
+                <a:spcPct val="0"/>
+              </a:spcBef>
+              <a:spcAft>
+                <a:spcPct val="0"/>
+              </a:spcAft>
+              <a:defRPr sz="4400">
+                <a:solidFill>
+                  <a:schemeClr val="tx1"/>
+                </a:solidFill>
+                <a:latin typeface="Montserrat" panose="00000500000000000000" pitchFamily="2" charset="0"/>
+              </a:defRPr>
+            </a:lvl4pPr>
+            <a:lvl5pPr algn="l" rtl="0" eaLnBrk="0" fontAlgn="base" hangingPunct="0">
+              <a:lnSpc>
+                <a:spcPct val="90000"/>
+              </a:lnSpc>
+              <a:spcBef>
+                <a:spcPct val="0"/>
+              </a:spcBef>
+              <a:spcAft>
+                <a:spcPct val="0"/>
+              </a:spcAft>
+              <a:defRPr sz="4400">
+                <a:solidFill>
+                  <a:schemeClr val="tx1"/>
+                </a:solidFill>
+                <a:latin typeface="Montserrat" panose="00000500000000000000" pitchFamily="2" charset="0"/>
+              </a:defRPr>
+            </a:lvl5pPr>
+            <a:lvl6pPr marL="457200" algn="l" rtl="0" fontAlgn="base">
+              <a:lnSpc>
+                <a:spcPct val="90000"/>
+              </a:lnSpc>
+              <a:spcBef>
+                <a:spcPct val="0"/>
+              </a:spcBef>
+              <a:spcAft>
+                <a:spcPct val="0"/>
+              </a:spcAft>
+              <a:defRPr sz="4400">
+                <a:solidFill>
+                  <a:schemeClr val="tx1"/>
+                </a:solidFill>
+                <a:latin typeface="Montserrat" panose="00000500000000000000" pitchFamily="2" charset="0"/>
+              </a:defRPr>
+            </a:lvl6pPr>
+            <a:lvl7pPr marL="914400" algn="l" rtl="0" fontAlgn="base">
+              <a:lnSpc>
+                <a:spcPct val="90000"/>
+              </a:lnSpc>
+              <a:spcBef>
+                <a:spcPct val="0"/>
+              </a:spcBef>
+              <a:spcAft>
+                <a:spcPct val="0"/>
+              </a:spcAft>
+              <a:defRPr sz="4400">
+                <a:solidFill>
+                  <a:schemeClr val="tx1"/>
+                </a:solidFill>
+                <a:latin typeface="Montserrat" panose="00000500000000000000" pitchFamily="2" charset="0"/>
+              </a:defRPr>
+            </a:lvl7pPr>
+            <a:lvl8pPr marL="1371600" algn="l" rtl="0" fontAlgn="base">
+              <a:lnSpc>
+                <a:spcPct val="90000"/>
+              </a:lnSpc>
+              <a:spcBef>
+                <a:spcPct val="0"/>
+              </a:spcBef>
+              <a:spcAft>
+                <a:spcPct val="0"/>
+              </a:spcAft>
+              <a:defRPr sz="4400">
+                <a:solidFill>
+                  <a:schemeClr val="tx1"/>
+                </a:solidFill>
+                <a:latin typeface="Montserrat" panose="00000500000000000000" pitchFamily="2" charset="0"/>
+              </a:defRPr>
+            </a:lvl8pPr>
+            <a:lvl9pPr marL="1828800" algn="l" rtl="0" fontAlgn="base">
+              <a:lnSpc>
+                <a:spcPct val="90000"/>
+              </a:lnSpc>
+              <a:spcBef>
+                <a:spcPct val="0"/>
+              </a:spcBef>
+              <a:spcAft>
+                <a:spcPct val="0"/>
+              </a:spcAft>
+              <a:defRPr sz="4400">
+                <a:solidFill>
+                  <a:schemeClr val="tx1"/>
+                </a:solidFill>
+                <a:latin typeface="Montserrat" panose="00000500000000000000" pitchFamily="2" charset="0"/>
+              </a:defRPr>
+            </a:lvl9pPr>
+          </a:lstStyle>
+          <a:p>
+            <a:r>
+              <a:rPr lang="en-ZA" sz="3600" dirty="0">
+                <a:latin typeface="Avenir Next LT Pro (Body)t"/>
+              </a:rPr>
+              <a:t>Admin Home Page</a:t>
+            </a:r>
+            <a:endParaRPr lang="en-ZA" dirty="0">
+              <a:latin typeface="Avenir Next LT Pro (Body)t"/>
+            </a:endParaRPr>
+          </a:p>
+          <a:p>
+            <a:endParaRPr lang="en-ZA" dirty="0">
+              <a:latin typeface="Avenir Next LT Pro (Body)t"/>
+            </a:endParaRPr>
+          </a:p>
+        </p:txBody>
+      </p:sp>
+      <p:pic>
+        <p:nvPicPr>
+          <p:cNvPr id="4" name="Picture 3">
+            <a:extLst>
+              <a:ext uri="{FF2B5EF4-FFF2-40B4-BE49-F238E27FC236}">
+                <a16:creationId xmlns:a16="http://schemas.microsoft.com/office/drawing/2014/main" id="{591EAE8D-1108-17D8-533B-530ACEEBBB35}"/>
+              </a:ext>
+            </a:extLst>
+          </p:cNvPr>
+          <p:cNvPicPr>
+            <a:picLocks noChangeAspect="1"/>
+          </p:cNvPicPr>
+          <p:nvPr/>
+        </p:nvPicPr>
+        <p:blipFill>
+          <a:blip r:embed="rId2"/>
+          <a:stretch>
+            <a:fillRect/>
+          </a:stretch>
+        </p:blipFill>
+        <p:spPr>
+          <a:xfrm>
+            <a:off x="80962" y="1300162"/>
+            <a:ext cx="12030075" cy="4257675"/>
+          </a:xfrm>
+          <a:prstGeom prst="rect">
+            <a:avLst/>
+          </a:prstGeom>
+        </p:spPr>
+      </p:pic>
+    </p:spTree>
+    <p:extLst>
+      <p:ext uri="{BB962C8B-B14F-4D97-AF65-F5344CB8AC3E}">
+        <p14:creationId xmlns:p14="http://schemas.microsoft.com/office/powerpoint/2010/main" val="291911710"/>
+      </p:ext>
+    </p:extLst>
+  </p:cSld>
+  <p:clrMapOvr>
+    <a:masterClrMapping/>
+  </p:clrMapOvr>
+</p:sld>
+</file>
+
+<file path=ppt/slides/slide8.xml><?xml version="1.0" encoding="utf-8"?>
+<p:sld xmlns:a="http://schemas.openxmlformats.org/drawingml/2006/main" xmlns:r="http://schemas.openxmlformats.org/officeDocument/2006/relationships" xmlns:p="http://schemas.openxmlformats.org/presentationml/2006/main">
+  <p:cSld>
+    <p:spTree>
+      <p:nvGrpSpPr>
+        <p:cNvPr id="1" name=""/>
+        <p:cNvGrpSpPr/>
+        <p:nvPr/>
+      </p:nvGrpSpPr>
+      <p:grpSpPr>
+        <a:xfrm>
+          <a:off x="0" y="0"/>
+          <a:ext cx="0" cy="0"/>
+          <a:chOff x="0" y="0"/>
+          <a:chExt cx="0" cy="0"/>
+        </a:xfrm>
+      </p:grpSpPr>
+      <p:sp>
+        <p:nvSpPr>
+          <p:cNvPr id="10" name="TextBox 9">
+            <a:extLst>
+              <a:ext uri="{FF2B5EF4-FFF2-40B4-BE49-F238E27FC236}">
+                <a16:creationId xmlns:a16="http://schemas.microsoft.com/office/drawing/2014/main" id="{94CA0B6F-52EF-4153-962E-FBAB6C137B51}"/>
+              </a:ext>
+            </a:extLst>
+          </p:cNvPr>
+          <p:cNvSpPr txBox="1"/>
+          <p:nvPr/>
+        </p:nvSpPr>
+        <p:spPr>
+          <a:xfrm>
+            <a:off x="2821644" y="1013610"/>
+            <a:ext cx="4223825" cy="369332"/>
+          </a:xfrm>
+          <a:prstGeom prst="rect">
+            <a:avLst/>
+          </a:prstGeom>
+          <a:noFill/>
+        </p:spPr>
+        <p:txBody>
+          <a:bodyPr wrap="square">
+            <a:spAutoFit/>
+          </a:bodyPr>
+          <a:lstStyle/>
+          <a:p>
+            <a:endParaRPr lang="en-AU"/>
+          </a:p>
+        </p:txBody>
+      </p:sp>
+      <p:sp>
+        <p:nvSpPr>
+          <p:cNvPr id="2" name="Title 1">
+            <a:extLst>
+              <a:ext uri="{FF2B5EF4-FFF2-40B4-BE49-F238E27FC236}">
+                <a16:creationId xmlns:a16="http://schemas.microsoft.com/office/drawing/2014/main" id="{8A71AF31-57D3-8A94-17F0-495C0E21D57D}"/>
+              </a:ext>
+            </a:extLst>
+          </p:cNvPr>
+          <p:cNvSpPr txBox="1">
+            <a:spLocks/>
+          </p:cNvSpPr>
+          <p:nvPr/>
+        </p:nvSpPr>
+        <p:spPr>
+          <a:xfrm>
+            <a:off x="76200" y="440381"/>
+            <a:ext cx="6343650" cy="626961"/>
+          </a:xfrm>
+          <a:prstGeom prst="rect">
+            <a:avLst/>
+          </a:prstGeom>
+        </p:spPr>
+        <p:txBody>
+          <a:bodyPr anchor="t" anchorCtr="0">
+            <a:normAutofit fontScale="77500" lnSpcReduction="20000"/>
+          </a:bodyPr>
+          <a:lstStyle>
+            <a:lvl1pPr algn="l" rtl="0" eaLnBrk="0" fontAlgn="base" hangingPunct="0">
+              <a:lnSpc>
+                <a:spcPct val="90000"/>
+              </a:lnSpc>
+              <a:spcBef>
+                <a:spcPct val="0"/>
+              </a:spcBef>
+              <a:spcAft>
+                <a:spcPct val="0"/>
+              </a:spcAft>
+              <a:defRPr sz="2400" b="1" i="0" kern="1200">
+                <a:solidFill>
+                  <a:schemeClr val="accent1"/>
+                </a:solidFill>
+                <a:latin typeface="Montserrat" pitchFamily="2" charset="77"/>
+                <a:ea typeface="+mj-ea"/>
+                <a:cs typeface="+mj-cs"/>
+              </a:defRPr>
+            </a:lvl1pPr>
+            <a:lvl2pPr algn="l" rtl="0" eaLnBrk="0" fontAlgn="base" hangingPunct="0">
+              <a:lnSpc>
+                <a:spcPct val="90000"/>
+              </a:lnSpc>
+              <a:spcBef>
+                <a:spcPct val="0"/>
+              </a:spcBef>
+              <a:spcAft>
+                <a:spcPct val="0"/>
+              </a:spcAft>
+              <a:defRPr sz="4400">
+                <a:solidFill>
+                  <a:schemeClr val="tx1"/>
+                </a:solidFill>
+                <a:latin typeface="Montserrat" panose="00000500000000000000" pitchFamily="2" charset="0"/>
+              </a:defRPr>
+            </a:lvl2pPr>
+            <a:lvl3pPr algn="l" rtl="0" eaLnBrk="0" fontAlgn="base" hangingPunct="0">
+              <a:lnSpc>
+                <a:spcPct val="90000"/>
+              </a:lnSpc>
+              <a:spcBef>
+                <a:spcPct val="0"/>
+              </a:spcBef>
+              <a:spcAft>
+                <a:spcPct val="0"/>
+              </a:spcAft>
+              <a:defRPr sz="4400">
+                <a:solidFill>
+                  <a:schemeClr val="tx1"/>
+                </a:solidFill>
+                <a:latin typeface="Montserrat" panose="00000500000000000000" pitchFamily="2" charset="0"/>
+              </a:defRPr>
+            </a:lvl3pPr>
+            <a:lvl4pPr algn="l" rtl="0" eaLnBrk="0" fontAlgn="base" hangingPunct="0">
+              <a:lnSpc>
+                <a:spcPct val="90000"/>
+              </a:lnSpc>
+              <a:spcBef>
+                <a:spcPct val="0"/>
+              </a:spcBef>
+              <a:spcAft>
+                <a:spcPct val="0"/>
+              </a:spcAft>
+              <a:defRPr sz="4400">
+                <a:solidFill>
+                  <a:schemeClr val="tx1"/>
+                </a:solidFill>
+                <a:latin typeface="Montserrat" panose="00000500000000000000" pitchFamily="2" charset="0"/>
+              </a:defRPr>
+            </a:lvl4pPr>
+            <a:lvl5pPr algn="l" rtl="0" eaLnBrk="0" fontAlgn="base" hangingPunct="0">
+              <a:lnSpc>
+                <a:spcPct val="90000"/>
+              </a:lnSpc>
+              <a:spcBef>
+                <a:spcPct val="0"/>
+              </a:spcBef>
+              <a:spcAft>
+                <a:spcPct val="0"/>
+              </a:spcAft>
+              <a:defRPr sz="4400">
+                <a:solidFill>
+                  <a:schemeClr val="tx1"/>
+                </a:solidFill>
+                <a:latin typeface="Montserrat" panose="00000500000000000000" pitchFamily="2" charset="0"/>
+              </a:defRPr>
+            </a:lvl5pPr>
+            <a:lvl6pPr marL="457200" algn="l" rtl="0" fontAlgn="base">
+              <a:lnSpc>
+                <a:spcPct val="90000"/>
+              </a:lnSpc>
+              <a:spcBef>
+                <a:spcPct val="0"/>
+              </a:spcBef>
+              <a:spcAft>
+                <a:spcPct val="0"/>
+              </a:spcAft>
+              <a:defRPr sz="4400">
+                <a:solidFill>
+                  <a:schemeClr val="tx1"/>
+                </a:solidFill>
+                <a:latin typeface="Montserrat" panose="00000500000000000000" pitchFamily="2" charset="0"/>
+              </a:defRPr>
+            </a:lvl6pPr>
+            <a:lvl7pPr marL="914400" algn="l" rtl="0" fontAlgn="base">
+              <a:lnSpc>
+                <a:spcPct val="90000"/>
+              </a:lnSpc>
+              <a:spcBef>
+                <a:spcPct val="0"/>
+              </a:spcBef>
+              <a:spcAft>
+                <a:spcPct val="0"/>
+              </a:spcAft>
+              <a:defRPr sz="4400">
+                <a:solidFill>
+                  <a:schemeClr val="tx1"/>
+                </a:solidFill>
+                <a:latin typeface="Montserrat" panose="00000500000000000000" pitchFamily="2" charset="0"/>
+              </a:defRPr>
+            </a:lvl7pPr>
+            <a:lvl8pPr marL="1371600" algn="l" rtl="0" fontAlgn="base">
+              <a:lnSpc>
+                <a:spcPct val="90000"/>
+              </a:lnSpc>
+              <a:spcBef>
+                <a:spcPct val="0"/>
+              </a:spcBef>
+              <a:spcAft>
+                <a:spcPct val="0"/>
+              </a:spcAft>
+              <a:defRPr sz="4400">
+                <a:solidFill>
+                  <a:schemeClr val="tx1"/>
+                </a:solidFill>
+                <a:latin typeface="Montserrat" panose="00000500000000000000" pitchFamily="2" charset="0"/>
+              </a:defRPr>
+            </a:lvl8pPr>
+            <a:lvl9pPr marL="1828800" algn="l" rtl="0" fontAlgn="base">
+              <a:lnSpc>
+                <a:spcPct val="90000"/>
+              </a:lnSpc>
+              <a:spcBef>
+                <a:spcPct val="0"/>
+              </a:spcBef>
+              <a:spcAft>
+                <a:spcPct val="0"/>
+              </a:spcAft>
+              <a:defRPr sz="4400">
+                <a:solidFill>
+                  <a:schemeClr val="tx1"/>
+                </a:solidFill>
+                <a:latin typeface="Montserrat" panose="00000500000000000000" pitchFamily="2" charset="0"/>
+              </a:defRPr>
+            </a:lvl9pPr>
+          </a:lstStyle>
+          <a:p>
+            <a:r>
+              <a:rPr lang="en-ZA" sz="3600" dirty="0">
+                <a:latin typeface="Avenir Next LT Pro (Body)t"/>
+              </a:rPr>
+              <a:t>Admin New Product – Main Page</a:t>
+            </a:r>
+            <a:endParaRPr lang="en-ZA" dirty="0">
+              <a:latin typeface="Avenir Next LT Pro (Body)t"/>
+            </a:endParaRPr>
+          </a:p>
+          <a:p>
+            <a:endParaRPr lang="en-ZA" dirty="0">
+              <a:latin typeface="Avenir Next LT Pro (Body)t"/>
+            </a:endParaRPr>
+          </a:p>
+        </p:txBody>
+      </p:sp>
+      <p:pic>
+        <p:nvPicPr>
+          <p:cNvPr id="5" name="Picture 4">
+            <a:extLst>
+              <a:ext uri="{FF2B5EF4-FFF2-40B4-BE49-F238E27FC236}">
+                <a16:creationId xmlns:a16="http://schemas.microsoft.com/office/drawing/2014/main" id="{FEEA4C66-F4B2-0C44-D002-AEF7108114B4}"/>
+              </a:ext>
+            </a:extLst>
+          </p:cNvPr>
+          <p:cNvPicPr>
+            <a:picLocks noChangeAspect="1"/>
+          </p:cNvPicPr>
+          <p:nvPr/>
+        </p:nvPicPr>
+        <p:blipFill>
+          <a:blip r:embed="rId2"/>
+          <a:stretch>
+            <a:fillRect/>
+          </a:stretch>
+        </p:blipFill>
+        <p:spPr>
+          <a:xfrm>
+            <a:off x="76200" y="1121075"/>
+            <a:ext cx="12039600" cy="5313062"/>
+          </a:xfrm>
+          <a:prstGeom prst="rect">
+            <a:avLst/>
+          </a:prstGeom>
+        </p:spPr>
+      </p:pic>
+    </p:spTree>
+    <p:extLst>
+      <p:ext uri="{BB962C8B-B14F-4D97-AF65-F5344CB8AC3E}">
+        <p14:creationId xmlns:p14="http://schemas.microsoft.com/office/powerpoint/2010/main" val="3695288131"/>
+      </p:ext>
+    </p:extLst>
+  </p:cSld>
+  <p:clrMapOvr>
+    <a:masterClrMapping/>
+  </p:clrMapOvr>
+</p:sld>
+</file>
+
+<file path=ppt/slides/slide9.xml><?xml version="1.0" encoding="utf-8"?>
+<p:sld xmlns:a="http://schemas.openxmlformats.org/drawingml/2006/main" xmlns:r="http://schemas.openxmlformats.org/officeDocument/2006/relationships" xmlns:p="http://schemas.openxmlformats.org/presentationml/2006/main">
+  <p:cSld>
+    <p:spTree>
+      <p:nvGrpSpPr>
+        <p:cNvPr id="1" name=""/>
+        <p:cNvGrpSpPr/>
+        <p:nvPr/>
+      </p:nvGrpSpPr>
+      <p:grpSpPr>
+        <a:xfrm>
+          <a:off x="0" y="0"/>
+          <a:ext cx="0" cy="0"/>
+          <a:chOff x="0" y="0"/>
+          <a:chExt cx="0" cy="0"/>
+        </a:xfrm>
+      </p:grpSpPr>
+      <p:sp>
+        <p:nvSpPr>
+          <p:cNvPr id="10" name="TextBox 9">
+            <a:extLst>
+              <a:ext uri="{FF2B5EF4-FFF2-40B4-BE49-F238E27FC236}">
+                <a16:creationId xmlns:a16="http://schemas.microsoft.com/office/drawing/2014/main" id="{94CA0B6F-52EF-4153-962E-FBAB6C137B51}"/>
+              </a:ext>
+            </a:extLst>
+          </p:cNvPr>
+          <p:cNvSpPr txBox="1"/>
+          <p:nvPr/>
+        </p:nvSpPr>
+        <p:spPr>
+          <a:xfrm>
+            <a:off x="2821644" y="1013610"/>
+            <a:ext cx="4223825" cy="369332"/>
+          </a:xfrm>
+          <a:prstGeom prst="rect">
+            <a:avLst/>
+          </a:prstGeom>
+          <a:noFill/>
+        </p:spPr>
+        <p:txBody>
+          <a:bodyPr wrap="square">
+            <a:spAutoFit/>
+          </a:bodyPr>
+          <a:lstStyle/>
+          <a:p>
+            <a:endParaRPr lang="en-AU"/>
+          </a:p>
+        </p:txBody>
+      </p:sp>
+      <p:sp>
+        <p:nvSpPr>
+          <p:cNvPr id="2" name="Title 1">
+            <a:extLst>
+              <a:ext uri="{FF2B5EF4-FFF2-40B4-BE49-F238E27FC236}">
+                <a16:creationId xmlns:a16="http://schemas.microsoft.com/office/drawing/2014/main" id="{8A71AF31-57D3-8A94-17F0-495C0E21D57D}"/>
+              </a:ext>
+            </a:extLst>
+          </p:cNvPr>
+          <p:cNvSpPr txBox="1">
+            <a:spLocks/>
+          </p:cNvSpPr>
+          <p:nvPr/>
+        </p:nvSpPr>
+        <p:spPr>
+          <a:xfrm>
+            <a:off x="3873644" y="3030639"/>
+            <a:ext cx="6343650" cy="1325880"/>
+          </a:xfrm>
+          <a:prstGeom prst="rect">
+            <a:avLst/>
+          </a:prstGeom>
+        </p:spPr>
+        <p:txBody>
+          <a:bodyPr anchor="t" anchorCtr="0">
+            <a:normAutofit/>
+          </a:bodyPr>
+          <a:lstStyle>
+            <a:lvl1pPr algn="l" rtl="0" eaLnBrk="0" fontAlgn="base" hangingPunct="0">
+              <a:lnSpc>
+                <a:spcPct val="90000"/>
+              </a:lnSpc>
+              <a:spcBef>
+                <a:spcPct val="0"/>
+              </a:spcBef>
+              <a:spcAft>
+                <a:spcPct val="0"/>
+              </a:spcAft>
+              <a:defRPr sz="2400" b="1" i="0" kern="1200">
+                <a:solidFill>
+                  <a:schemeClr val="accent1"/>
+                </a:solidFill>
+                <a:latin typeface="Montserrat" pitchFamily="2" charset="77"/>
+                <a:ea typeface="+mj-ea"/>
+                <a:cs typeface="+mj-cs"/>
+              </a:defRPr>
+            </a:lvl1pPr>
+            <a:lvl2pPr algn="l" rtl="0" eaLnBrk="0" fontAlgn="base" hangingPunct="0">
+              <a:lnSpc>
+                <a:spcPct val="90000"/>
+              </a:lnSpc>
+              <a:spcBef>
+                <a:spcPct val="0"/>
+              </a:spcBef>
+              <a:spcAft>
+                <a:spcPct val="0"/>
+              </a:spcAft>
+              <a:defRPr sz="4400">
+                <a:solidFill>
+                  <a:schemeClr val="tx1"/>
+                </a:solidFill>
+                <a:latin typeface="Montserrat" panose="00000500000000000000" pitchFamily="2" charset="0"/>
+              </a:defRPr>
+            </a:lvl2pPr>
+            <a:lvl3pPr algn="l" rtl="0" eaLnBrk="0" fontAlgn="base" hangingPunct="0">
+              <a:lnSpc>
+                <a:spcPct val="90000"/>
+              </a:lnSpc>
+              <a:spcBef>
+                <a:spcPct val="0"/>
+              </a:spcBef>
+              <a:spcAft>
+                <a:spcPct val="0"/>
+              </a:spcAft>
+              <a:defRPr sz="4400">
+                <a:solidFill>
+                  <a:schemeClr val="tx1"/>
+                </a:solidFill>
+                <a:latin typeface="Montserrat" panose="00000500000000000000" pitchFamily="2" charset="0"/>
+              </a:defRPr>
+            </a:lvl3pPr>
+            <a:lvl4pPr algn="l" rtl="0" eaLnBrk="0" fontAlgn="base" hangingPunct="0">
+              <a:lnSpc>
+                <a:spcPct val="90000"/>
+              </a:lnSpc>
+              <a:spcBef>
+                <a:spcPct val="0"/>
+              </a:spcBef>
+              <a:spcAft>
+                <a:spcPct val="0"/>
+              </a:spcAft>
+              <a:defRPr sz="4400">
+                <a:solidFill>
+                  <a:schemeClr val="tx1"/>
+                </a:solidFill>
+                <a:latin typeface="Montserrat" panose="00000500000000000000" pitchFamily="2" charset="0"/>
+              </a:defRPr>
+            </a:lvl4pPr>
+            <a:lvl5pPr algn="l" rtl="0" eaLnBrk="0" fontAlgn="base" hangingPunct="0">
+              <a:lnSpc>
+                <a:spcPct val="90000"/>
+              </a:lnSpc>
+              <a:spcBef>
+                <a:spcPct val="0"/>
+              </a:spcBef>
+              <a:spcAft>
+                <a:spcPct val="0"/>
+              </a:spcAft>
+              <a:defRPr sz="4400">
+                <a:solidFill>
+                  <a:schemeClr val="tx1"/>
+                </a:solidFill>
+                <a:latin typeface="Montserrat" panose="00000500000000000000" pitchFamily="2" charset="0"/>
+              </a:defRPr>
+            </a:lvl5pPr>
+            <a:lvl6pPr marL="457200" algn="l" rtl="0" fontAlgn="base">
+              <a:lnSpc>
+                <a:spcPct val="90000"/>
+              </a:lnSpc>
+              <a:spcBef>
+                <a:spcPct val="0"/>
+              </a:spcBef>
+              <a:spcAft>
+                <a:spcPct val="0"/>
+              </a:spcAft>
+              <a:defRPr sz="4400">
+                <a:solidFill>
+                  <a:schemeClr val="tx1"/>
+                </a:solidFill>
+                <a:latin typeface="Montserrat" panose="00000500000000000000" pitchFamily="2" charset="0"/>
+              </a:defRPr>
+            </a:lvl6pPr>
+            <a:lvl7pPr marL="914400" algn="l" rtl="0" fontAlgn="base">
+              <a:lnSpc>
+                <a:spcPct val="90000"/>
+              </a:lnSpc>
+              <a:spcBef>
+                <a:spcPct val="0"/>
+              </a:spcBef>
+              <a:spcAft>
+                <a:spcPct val="0"/>
+              </a:spcAft>
+              <a:defRPr sz="4400">
+                <a:solidFill>
+                  <a:schemeClr val="tx1"/>
+                </a:solidFill>
+                <a:latin typeface="Montserrat" panose="00000500000000000000" pitchFamily="2" charset="0"/>
+              </a:defRPr>
+            </a:lvl7pPr>
+            <a:lvl8pPr marL="1371600" algn="l" rtl="0" fontAlgn="base">
+              <a:lnSpc>
+                <a:spcPct val="90000"/>
+              </a:lnSpc>
+              <a:spcBef>
+                <a:spcPct val="0"/>
+              </a:spcBef>
+              <a:spcAft>
+                <a:spcPct val="0"/>
+              </a:spcAft>
+              <a:defRPr sz="4400">
+                <a:solidFill>
+                  <a:schemeClr val="tx1"/>
+                </a:solidFill>
+                <a:latin typeface="Montserrat" panose="00000500000000000000" pitchFamily="2" charset="0"/>
+              </a:defRPr>
+            </a:lvl8pPr>
+            <a:lvl9pPr marL="1828800" algn="l" rtl="0" fontAlgn="base">
+              <a:lnSpc>
+                <a:spcPct val="90000"/>
+              </a:lnSpc>
+              <a:spcBef>
+                <a:spcPct val="0"/>
+              </a:spcBef>
+              <a:spcAft>
+                <a:spcPct val="0"/>
+              </a:spcAft>
+              <a:defRPr sz="4400">
+                <a:solidFill>
+                  <a:schemeClr val="tx1"/>
+                </a:solidFill>
+                <a:latin typeface="Montserrat" panose="00000500000000000000" pitchFamily="2" charset="0"/>
+              </a:defRPr>
+            </a:lvl9pPr>
+          </a:lstStyle>
+          <a:p>
+            <a:r>
+              <a:rPr lang="en-ZA" sz="3600" dirty="0"/>
+              <a:t>Thank you</a:t>
+            </a:r>
+          </a:p>
+        </p:txBody>
+      </p:sp>
+    </p:spTree>
+    <p:extLst>
+      <p:ext uri="{BB962C8B-B14F-4D97-AF65-F5344CB8AC3E}">
+        <p14:creationId xmlns:p14="http://schemas.microsoft.com/office/powerpoint/2010/main" val="3253752644"/>
       </p:ext>
     </p:extLst>
   </p:cSld>
@@ -30291,12 +32316,11 @@
 </file>
 
 <file path=customXml/item1.xml><?xml version="1.0" encoding="utf-8"?>
-<?mso-contentType ?>
-<FormTemplates xmlns="http://schemas.microsoft.com/sharepoint/v3/contenttype/forms">
-  <Display>DocumentLibraryForm</Display>
-  <Edit>DocumentLibraryForm</Edit>
-  <New>DocumentLibraryForm</New>
-</FormTemplates>
+<p:properties xmlns:p="http://schemas.microsoft.com/office/2006/metadata/properties" xmlns:xsi="http://www.w3.org/2001/XMLSchema-instance" xmlns:pc="http://schemas.microsoft.com/office/infopath/2007/PartnerControls">
+  <documentManagement>
+    <TaxCatchAll xmlns="e35a762a-40b9-4b8e-9e5e-ccac953d6d1b" xsi:nil="true"/>
+  </documentManagement>
+</p:properties>
 </file>
 
 <file path=customXml/item2.xml><?xml version="1.0" encoding="utf-8"?>
@@ -30432,17 +32456,26 @@
 </file>
 
 <file path=customXml/item3.xml><?xml version="1.0" encoding="utf-8"?>
-<p:properties xmlns:p="http://schemas.microsoft.com/office/2006/metadata/properties" xmlns:xsi="http://www.w3.org/2001/XMLSchema-instance" xmlns:pc="http://schemas.microsoft.com/office/infopath/2007/PartnerControls">
-  <documentManagement>
-    <TaxCatchAll xmlns="e35a762a-40b9-4b8e-9e5e-ccac953d6d1b" xsi:nil="true"/>
-  </documentManagement>
-</p:properties>
+<?mso-contentType ?>
+<FormTemplates xmlns="http://schemas.microsoft.com/sharepoint/v3/contenttype/forms">
+  <Display>DocumentLibraryForm</Display>
+  <Edit>DocumentLibraryForm</Edit>
+  <New>DocumentLibraryForm</New>
+</FormTemplates>
 </file>
 
 <file path=customXml/itemProps1.xml><?xml version="1.0" encoding="utf-8"?>
-<ds:datastoreItem xmlns:ds="http://schemas.openxmlformats.org/officeDocument/2006/customXml" ds:itemID="{65B53DF9-E48B-406F-92D1-7F6F2DB07643}">
+<ds:datastoreItem xmlns:ds="http://schemas.openxmlformats.org/officeDocument/2006/customXml" ds:itemID="{1A263369-5780-440B-8EEC-57A749B94085}">
   <ds:schemaRefs>
-    <ds:schemaRef ds:uri="http://schemas.microsoft.com/sharepoint/v3/contenttype/forms"/>
+    <ds:schemaRef ds:uri="e35a762a-40b9-4b8e-9e5e-ccac953d6d1b"/>
+    <ds:schemaRef ds:uri="http://purl.org/dc/dcmitype/"/>
+    <ds:schemaRef ds:uri="http://purl.org/dc/elements/1.1/"/>
+    <ds:schemaRef ds:uri="http://purl.org/dc/terms/"/>
+    <ds:schemaRef ds:uri="http://schemas.microsoft.com/office/2006/documentManagement/types"/>
+    <ds:schemaRef ds:uri="http://schemas.microsoft.com/office/2006/metadata/properties"/>
+    <ds:schemaRef ds:uri="http://schemas.microsoft.com/office/infopath/2007/PartnerControls"/>
+    <ds:schemaRef ds:uri="http://schemas.openxmlformats.org/package/2006/metadata/core-properties"/>
+    <ds:schemaRef ds:uri="http://www.w3.org/XML/1998/namespace"/>
   </ds:schemaRefs>
 </ds:datastoreItem>
 </file>
@@ -30466,17 +32499,9 @@
 </file>
 
 <file path=customXml/itemProps3.xml><?xml version="1.0" encoding="utf-8"?>
-<ds:datastoreItem xmlns:ds="http://schemas.openxmlformats.org/officeDocument/2006/customXml" ds:itemID="{1A263369-5780-440B-8EEC-57A749B94085}">
+<ds:datastoreItem xmlns:ds="http://schemas.openxmlformats.org/officeDocument/2006/customXml" ds:itemID="{65B53DF9-E48B-406F-92D1-7F6F2DB07643}">
   <ds:schemaRefs>
-    <ds:schemaRef ds:uri="e35a762a-40b9-4b8e-9e5e-ccac953d6d1b"/>
-    <ds:schemaRef ds:uri="http://purl.org/dc/dcmitype/"/>
-    <ds:schemaRef ds:uri="http://purl.org/dc/elements/1.1/"/>
-    <ds:schemaRef ds:uri="http://purl.org/dc/terms/"/>
-    <ds:schemaRef ds:uri="http://schemas.microsoft.com/office/2006/documentManagement/types"/>
-    <ds:schemaRef ds:uri="http://schemas.microsoft.com/office/2006/metadata/properties"/>
-    <ds:schemaRef ds:uri="http://schemas.microsoft.com/office/infopath/2007/PartnerControls"/>
-    <ds:schemaRef ds:uri="http://schemas.openxmlformats.org/package/2006/metadata/core-properties"/>
-    <ds:schemaRef ds:uri="http://www.w3.org/XML/1998/namespace"/>
+    <ds:schemaRef ds:uri="http://schemas.microsoft.com/sharepoint/v3/contenttype/forms"/>
   </ds:schemaRefs>
 </ds:datastoreItem>
 </file>